--- a/PPTFioreSupermercato.pptx
+++ b/PPTFioreSupermercato.pptx
@@ -38328,8 +38328,8 @@
         </p:nvSpPr>
         <p:spPr>
           <a:xfrm>
-            <a:off x="3216900" y="4318414"/>
-            <a:ext cx="2819400" cy="307777"/>
+            <a:off x="782782" y="4332269"/>
+            <a:ext cx="5901808" cy="523220"/>
           </a:xfrm>
           <a:prstGeom prst="rect">
             <a:avLst/>
@@ -38343,9 +38343,12 @@
           <a:lstStyle/>
           <a:p>
             <a:r>
-              <a:rPr lang="it-IT" dirty="0"/>
-              <a:t>Link pagina gitub</a:t>
+              <a:rPr lang="it-IT" b="1" dirty="0">
+                <a:hlinkClick r:id="rId3"/>
+              </a:rPr>
+              <a:t>Clicca il link per vedere codice: https://github.com/ENRICOSCHI/Progetto_Supermercato</a:t>
             </a:r>
+            <a:endParaRPr lang="it-IT" b="1" dirty="0"/>
           </a:p>
         </p:txBody>
       </p:sp>
